--- a/doc/Quanty Demo.pptx
+++ b/doc/Quanty Demo.pptx
@@ -266,7 +266,7 @@
           <a:p>
             <a:fld id="{A723523A-0C2E-494D-A67E-57B2EDDBBC5A}" type="datetimeFigureOut">
               <a:rPr lang="en-US" smtClean="0"/>
-              <a:t>7/15/2016</a:t>
+              <a:t>2/17/2017</a:t>
             </a:fld>
             <a:endParaRPr lang="en-US"/>
           </a:p>
@@ -436,7 +436,7 @@
           <a:p>
             <a:fld id="{A723523A-0C2E-494D-A67E-57B2EDDBBC5A}" type="datetimeFigureOut">
               <a:rPr lang="en-US" smtClean="0"/>
-              <a:t>7/15/2016</a:t>
+              <a:t>2/17/2017</a:t>
             </a:fld>
             <a:endParaRPr lang="en-US"/>
           </a:p>
@@ -616,7 +616,7 @@
           <a:p>
             <a:fld id="{A723523A-0C2E-494D-A67E-57B2EDDBBC5A}" type="datetimeFigureOut">
               <a:rPr lang="en-US" smtClean="0"/>
-              <a:t>7/15/2016</a:t>
+              <a:t>2/17/2017</a:t>
             </a:fld>
             <a:endParaRPr lang="en-US"/>
           </a:p>
@@ -786,7 +786,7 @@
           <a:p>
             <a:fld id="{A723523A-0C2E-494D-A67E-57B2EDDBBC5A}" type="datetimeFigureOut">
               <a:rPr lang="en-US" smtClean="0"/>
-              <a:t>7/15/2016</a:t>
+              <a:t>2/17/2017</a:t>
             </a:fld>
             <a:endParaRPr lang="en-US"/>
           </a:p>
@@ -1032,7 +1032,7 @@
           <a:p>
             <a:fld id="{A723523A-0C2E-494D-A67E-57B2EDDBBC5A}" type="datetimeFigureOut">
               <a:rPr lang="en-US" smtClean="0"/>
-              <a:t>7/15/2016</a:t>
+              <a:t>2/17/2017</a:t>
             </a:fld>
             <a:endParaRPr lang="en-US"/>
           </a:p>
@@ -1264,7 +1264,7 @@
           <a:p>
             <a:fld id="{A723523A-0C2E-494D-A67E-57B2EDDBBC5A}" type="datetimeFigureOut">
               <a:rPr lang="en-US" smtClean="0"/>
-              <a:t>7/15/2016</a:t>
+              <a:t>2/17/2017</a:t>
             </a:fld>
             <a:endParaRPr lang="en-US"/>
           </a:p>
@@ -1631,7 +1631,7 @@
           <a:p>
             <a:fld id="{A723523A-0C2E-494D-A67E-57B2EDDBBC5A}" type="datetimeFigureOut">
               <a:rPr lang="en-US" smtClean="0"/>
-              <a:t>7/15/2016</a:t>
+              <a:t>2/17/2017</a:t>
             </a:fld>
             <a:endParaRPr lang="en-US"/>
           </a:p>
@@ -1749,7 +1749,7 @@
           <a:p>
             <a:fld id="{A723523A-0C2E-494D-A67E-57B2EDDBBC5A}" type="datetimeFigureOut">
               <a:rPr lang="en-US" smtClean="0"/>
-              <a:t>7/15/2016</a:t>
+              <a:t>2/17/2017</a:t>
             </a:fld>
             <a:endParaRPr lang="en-US"/>
           </a:p>
@@ -1844,7 +1844,7 @@
           <a:p>
             <a:fld id="{A723523A-0C2E-494D-A67E-57B2EDDBBC5A}" type="datetimeFigureOut">
               <a:rPr lang="en-US" smtClean="0"/>
-              <a:t>7/15/2016</a:t>
+              <a:t>2/17/2017</a:t>
             </a:fld>
             <a:endParaRPr lang="en-US"/>
           </a:p>
@@ -2121,7 +2121,7 @@
           <a:p>
             <a:fld id="{A723523A-0C2E-494D-A67E-57B2EDDBBC5A}" type="datetimeFigureOut">
               <a:rPr lang="en-US" smtClean="0"/>
-              <a:t>7/15/2016</a:t>
+              <a:t>2/17/2017</a:t>
             </a:fld>
             <a:endParaRPr lang="en-US"/>
           </a:p>
@@ -2374,7 +2374,7 @@
           <a:p>
             <a:fld id="{A723523A-0C2E-494D-A67E-57B2EDDBBC5A}" type="datetimeFigureOut">
               <a:rPr lang="en-US" smtClean="0"/>
-              <a:t>7/15/2016</a:t>
+              <a:t>2/17/2017</a:t>
             </a:fld>
             <a:endParaRPr lang="en-US"/>
           </a:p>
@@ -2587,7 +2587,7 @@
           <a:p>
             <a:fld id="{A723523A-0C2E-494D-A67E-57B2EDDBBC5A}" type="datetimeFigureOut">
               <a:rPr lang="en-US" smtClean="0"/>
-              <a:t>7/15/2016</a:t>
+              <a:t>2/17/2017</a:t>
             </a:fld>
             <a:endParaRPr lang="en-US"/>
           </a:p>

--- a/doc/Quanty Demo.pptx
+++ b/doc/Quanty Demo.pptx
@@ -266,7 +266,7 @@
           <a:p>
             <a:fld id="{A723523A-0C2E-494D-A67E-57B2EDDBBC5A}" type="datetimeFigureOut">
               <a:rPr lang="en-US" smtClean="0"/>
-              <a:t>2/17/2017</a:t>
+              <a:t>5/10/17</a:t>
             </a:fld>
             <a:endParaRPr lang="en-US"/>
           </a:p>
@@ -436,7 +436,7 @@
           <a:p>
             <a:fld id="{A723523A-0C2E-494D-A67E-57B2EDDBBC5A}" type="datetimeFigureOut">
               <a:rPr lang="en-US" smtClean="0"/>
-              <a:t>2/17/2017</a:t>
+              <a:t>5/10/17</a:t>
             </a:fld>
             <a:endParaRPr lang="en-US"/>
           </a:p>
@@ -616,7 +616,7 @@
           <a:p>
             <a:fld id="{A723523A-0C2E-494D-A67E-57B2EDDBBC5A}" type="datetimeFigureOut">
               <a:rPr lang="en-US" smtClean="0"/>
-              <a:t>2/17/2017</a:t>
+              <a:t>5/10/17</a:t>
             </a:fld>
             <a:endParaRPr lang="en-US"/>
           </a:p>
@@ -786,7 +786,7 @@
           <a:p>
             <a:fld id="{A723523A-0C2E-494D-A67E-57B2EDDBBC5A}" type="datetimeFigureOut">
               <a:rPr lang="en-US" smtClean="0"/>
-              <a:t>2/17/2017</a:t>
+              <a:t>5/10/17</a:t>
             </a:fld>
             <a:endParaRPr lang="en-US"/>
           </a:p>
@@ -1032,7 +1032,7 @@
           <a:p>
             <a:fld id="{A723523A-0C2E-494D-A67E-57B2EDDBBC5A}" type="datetimeFigureOut">
               <a:rPr lang="en-US" smtClean="0"/>
-              <a:t>2/17/2017</a:t>
+              <a:t>5/10/17</a:t>
             </a:fld>
             <a:endParaRPr lang="en-US"/>
           </a:p>
@@ -1264,7 +1264,7 @@
           <a:p>
             <a:fld id="{A723523A-0C2E-494D-A67E-57B2EDDBBC5A}" type="datetimeFigureOut">
               <a:rPr lang="en-US" smtClean="0"/>
-              <a:t>2/17/2017</a:t>
+              <a:t>5/10/17</a:t>
             </a:fld>
             <a:endParaRPr lang="en-US"/>
           </a:p>
@@ -1631,7 +1631,7 @@
           <a:p>
             <a:fld id="{A723523A-0C2E-494D-A67E-57B2EDDBBC5A}" type="datetimeFigureOut">
               <a:rPr lang="en-US" smtClean="0"/>
-              <a:t>2/17/2017</a:t>
+              <a:t>5/10/17</a:t>
             </a:fld>
             <a:endParaRPr lang="en-US"/>
           </a:p>
@@ -1749,7 +1749,7 @@
           <a:p>
             <a:fld id="{A723523A-0C2E-494D-A67E-57B2EDDBBC5A}" type="datetimeFigureOut">
               <a:rPr lang="en-US" smtClean="0"/>
-              <a:t>2/17/2017</a:t>
+              <a:t>5/10/17</a:t>
             </a:fld>
             <a:endParaRPr lang="en-US"/>
           </a:p>
@@ -1844,7 +1844,7 @@
           <a:p>
             <a:fld id="{A723523A-0C2E-494D-A67E-57B2EDDBBC5A}" type="datetimeFigureOut">
               <a:rPr lang="en-US" smtClean="0"/>
-              <a:t>2/17/2017</a:t>
+              <a:t>5/10/17</a:t>
             </a:fld>
             <a:endParaRPr lang="en-US"/>
           </a:p>
@@ -2121,7 +2121,7 @@
           <a:p>
             <a:fld id="{A723523A-0C2E-494D-A67E-57B2EDDBBC5A}" type="datetimeFigureOut">
               <a:rPr lang="en-US" smtClean="0"/>
-              <a:t>2/17/2017</a:t>
+              <a:t>5/10/17</a:t>
             </a:fld>
             <a:endParaRPr lang="en-US"/>
           </a:p>
@@ -2374,7 +2374,7 @@
           <a:p>
             <a:fld id="{A723523A-0C2E-494D-A67E-57B2EDDBBC5A}" type="datetimeFigureOut">
               <a:rPr lang="en-US" smtClean="0"/>
-              <a:t>2/17/2017</a:t>
+              <a:t>5/10/17</a:t>
             </a:fld>
             <a:endParaRPr lang="en-US"/>
           </a:p>
@@ -2587,7 +2587,7 @@
           <a:p>
             <a:fld id="{A723523A-0C2E-494D-A67E-57B2EDDBBC5A}" type="datetimeFigureOut">
               <a:rPr lang="en-US" smtClean="0"/>
-              <a:t>2/17/2017</a:t>
+              <a:t>5/10/17</a:t>
             </a:fld>
             <a:endParaRPr lang="en-US"/>
           </a:p>

--- a/doc/Quanty Demo.pptx
+++ b/doc/Quanty Demo.pptx
@@ -177,10 +177,9 @@
           </a:lstStyle>
           <a:p>
             <a:r>
-              <a:rPr lang="en-US" smtClean="0"/>
+              <a:rPr lang="en-US"/>
               <a:t>Click to edit Master title style</a:t>
             </a:r>
-            <a:endParaRPr lang="en-US"/>
           </a:p>
         </p:txBody>
       </p:sp>
@@ -242,10 +241,9 @@
           </a:lstStyle>
           <a:p>
             <a:r>
-              <a:rPr lang="en-US" smtClean="0"/>
+              <a:rPr lang="en-US"/>
               <a:t>Click to edit Master subtitle style</a:t>
             </a:r>
-            <a:endParaRPr lang="en-US"/>
           </a:p>
         </p:txBody>
       </p:sp>
@@ -266,7 +264,7 @@
           <a:p>
             <a:fld id="{A723523A-0C2E-494D-A67E-57B2EDDBBC5A}" type="datetimeFigureOut">
               <a:rPr lang="en-US" smtClean="0"/>
-              <a:t>5/10/17</a:t>
+              <a:t>7/10/18</a:t>
             </a:fld>
             <a:endParaRPr lang="en-US"/>
           </a:p>
@@ -360,10 +358,9 @@
           <a:lstStyle/>
           <a:p>
             <a:r>
-              <a:rPr lang="en-US" smtClean="0"/>
+              <a:rPr lang="en-US"/>
               <a:t>Click to edit Master title style</a:t>
             </a:r>
-            <a:endParaRPr lang="en-US"/>
           </a:p>
         </p:txBody>
       </p:sp>
@@ -384,38 +381,37 @@
           <a:p>
             <a:pPr lvl="0"/>
             <a:r>
-              <a:rPr lang="en-US" smtClean="0"/>
+              <a:rPr lang="en-US"/>
               <a:t>Click to edit Master text styles</a:t>
             </a:r>
           </a:p>
           <a:p>
             <a:pPr lvl="1"/>
             <a:r>
-              <a:rPr lang="en-US" smtClean="0"/>
+              <a:rPr lang="en-US"/>
               <a:t>Second level</a:t>
             </a:r>
           </a:p>
           <a:p>
             <a:pPr lvl="2"/>
             <a:r>
-              <a:rPr lang="en-US" smtClean="0"/>
+              <a:rPr lang="en-US"/>
               <a:t>Third level</a:t>
             </a:r>
           </a:p>
           <a:p>
             <a:pPr lvl="3"/>
             <a:r>
-              <a:rPr lang="en-US" smtClean="0"/>
+              <a:rPr lang="en-US"/>
               <a:t>Fourth level</a:t>
             </a:r>
           </a:p>
           <a:p>
             <a:pPr lvl="4"/>
             <a:r>
-              <a:rPr lang="en-US" smtClean="0"/>
+              <a:rPr lang="en-US"/>
               <a:t>Fifth level</a:t>
             </a:r>
-            <a:endParaRPr lang="en-US"/>
           </a:p>
         </p:txBody>
       </p:sp>
@@ -436,7 +432,7 @@
           <a:p>
             <a:fld id="{A723523A-0C2E-494D-A67E-57B2EDDBBC5A}" type="datetimeFigureOut">
               <a:rPr lang="en-US" smtClean="0"/>
-              <a:t>5/10/17</a:t>
+              <a:t>7/10/18</a:t>
             </a:fld>
             <a:endParaRPr lang="en-US"/>
           </a:p>
@@ -535,10 +531,9 @@
           <a:lstStyle/>
           <a:p>
             <a:r>
-              <a:rPr lang="en-US" smtClean="0"/>
+              <a:rPr lang="en-US"/>
               <a:t>Click to edit Master title style</a:t>
             </a:r>
-            <a:endParaRPr lang="en-US"/>
           </a:p>
         </p:txBody>
       </p:sp>
@@ -564,38 +559,37 @@
           <a:p>
             <a:pPr lvl="0"/>
             <a:r>
-              <a:rPr lang="en-US" smtClean="0"/>
+              <a:rPr lang="en-US"/>
               <a:t>Click to edit Master text styles</a:t>
             </a:r>
           </a:p>
           <a:p>
             <a:pPr lvl="1"/>
             <a:r>
-              <a:rPr lang="en-US" smtClean="0"/>
+              <a:rPr lang="en-US"/>
               <a:t>Second level</a:t>
             </a:r>
           </a:p>
           <a:p>
             <a:pPr lvl="2"/>
             <a:r>
-              <a:rPr lang="en-US" smtClean="0"/>
+              <a:rPr lang="en-US"/>
               <a:t>Third level</a:t>
             </a:r>
           </a:p>
           <a:p>
             <a:pPr lvl="3"/>
             <a:r>
-              <a:rPr lang="en-US" smtClean="0"/>
+              <a:rPr lang="en-US"/>
               <a:t>Fourth level</a:t>
             </a:r>
           </a:p>
           <a:p>
             <a:pPr lvl="4"/>
             <a:r>
-              <a:rPr lang="en-US" smtClean="0"/>
+              <a:rPr lang="en-US"/>
               <a:t>Fifth level</a:t>
             </a:r>
-            <a:endParaRPr lang="en-US"/>
           </a:p>
         </p:txBody>
       </p:sp>
@@ -616,7 +610,7 @@
           <a:p>
             <a:fld id="{A723523A-0C2E-494D-A67E-57B2EDDBBC5A}" type="datetimeFigureOut">
               <a:rPr lang="en-US" smtClean="0"/>
-              <a:t>5/10/17</a:t>
+              <a:t>7/10/18</a:t>
             </a:fld>
             <a:endParaRPr lang="en-US"/>
           </a:p>
@@ -710,10 +704,9 @@
           <a:lstStyle/>
           <a:p>
             <a:r>
-              <a:rPr lang="en-US" smtClean="0"/>
+              <a:rPr lang="en-US"/>
               <a:t>Click to edit Master title style</a:t>
             </a:r>
-            <a:endParaRPr lang="en-US"/>
           </a:p>
         </p:txBody>
       </p:sp>
@@ -734,38 +727,37 @@
           <a:p>
             <a:pPr lvl="0"/>
             <a:r>
-              <a:rPr lang="en-US" smtClean="0"/>
+              <a:rPr lang="en-US"/>
               <a:t>Click to edit Master text styles</a:t>
             </a:r>
           </a:p>
           <a:p>
             <a:pPr lvl="1"/>
             <a:r>
-              <a:rPr lang="en-US" smtClean="0"/>
+              <a:rPr lang="en-US"/>
               <a:t>Second level</a:t>
             </a:r>
           </a:p>
           <a:p>
             <a:pPr lvl="2"/>
             <a:r>
-              <a:rPr lang="en-US" smtClean="0"/>
+              <a:rPr lang="en-US"/>
               <a:t>Third level</a:t>
             </a:r>
           </a:p>
           <a:p>
             <a:pPr lvl="3"/>
             <a:r>
-              <a:rPr lang="en-US" smtClean="0"/>
+              <a:rPr lang="en-US"/>
               <a:t>Fourth level</a:t>
             </a:r>
           </a:p>
           <a:p>
             <a:pPr lvl="4"/>
             <a:r>
-              <a:rPr lang="en-US" smtClean="0"/>
+              <a:rPr lang="en-US"/>
               <a:t>Fifth level</a:t>
             </a:r>
-            <a:endParaRPr lang="en-US"/>
           </a:p>
         </p:txBody>
       </p:sp>
@@ -786,7 +778,7 @@
           <a:p>
             <a:fld id="{A723523A-0C2E-494D-A67E-57B2EDDBBC5A}" type="datetimeFigureOut">
               <a:rPr lang="en-US" smtClean="0"/>
-              <a:t>5/10/17</a:t>
+              <a:t>7/10/18</a:t>
             </a:fld>
             <a:endParaRPr lang="en-US"/>
           </a:p>
@@ -889,10 +881,9 @@
           </a:lstStyle>
           <a:p>
             <a:r>
-              <a:rPr lang="en-US" smtClean="0"/>
+              <a:rPr lang="en-US"/>
               <a:t>Click to edit Master title style</a:t>
             </a:r>
-            <a:endParaRPr lang="en-US"/>
           </a:p>
         </p:txBody>
       </p:sp>
@@ -1009,7 +1000,7 @@
           <a:p>
             <a:pPr lvl="0"/>
             <a:r>
-              <a:rPr lang="en-US" smtClean="0"/>
+              <a:rPr lang="en-US"/>
               <a:t>Click to edit Master text styles</a:t>
             </a:r>
           </a:p>
@@ -1032,7 +1023,7 @@
           <a:p>
             <a:fld id="{A723523A-0C2E-494D-A67E-57B2EDDBBC5A}" type="datetimeFigureOut">
               <a:rPr lang="en-US" smtClean="0"/>
-              <a:t>5/10/17</a:t>
+              <a:t>7/10/18</a:t>
             </a:fld>
             <a:endParaRPr lang="en-US"/>
           </a:p>
@@ -1126,10 +1117,9 @@
           <a:lstStyle/>
           <a:p>
             <a:r>
-              <a:rPr lang="en-US" smtClean="0"/>
+              <a:rPr lang="en-US"/>
               <a:t>Click to edit Master title style</a:t>
             </a:r>
-            <a:endParaRPr lang="en-US"/>
           </a:p>
         </p:txBody>
       </p:sp>
@@ -1155,38 +1145,37 @@
           <a:p>
             <a:pPr lvl="0"/>
             <a:r>
-              <a:rPr lang="en-US" smtClean="0"/>
+              <a:rPr lang="en-US"/>
               <a:t>Click to edit Master text styles</a:t>
             </a:r>
           </a:p>
           <a:p>
             <a:pPr lvl="1"/>
             <a:r>
-              <a:rPr lang="en-US" smtClean="0"/>
+              <a:rPr lang="en-US"/>
               <a:t>Second level</a:t>
             </a:r>
           </a:p>
           <a:p>
             <a:pPr lvl="2"/>
             <a:r>
-              <a:rPr lang="en-US" smtClean="0"/>
+              <a:rPr lang="en-US"/>
               <a:t>Third level</a:t>
             </a:r>
           </a:p>
           <a:p>
             <a:pPr lvl="3"/>
             <a:r>
-              <a:rPr lang="en-US" smtClean="0"/>
+              <a:rPr lang="en-US"/>
               <a:t>Fourth level</a:t>
             </a:r>
           </a:p>
           <a:p>
             <a:pPr lvl="4"/>
             <a:r>
-              <a:rPr lang="en-US" smtClean="0"/>
+              <a:rPr lang="en-US"/>
               <a:t>Fifth level</a:t>
             </a:r>
-            <a:endParaRPr lang="en-US"/>
           </a:p>
         </p:txBody>
       </p:sp>
@@ -1212,38 +1201,37 @@
           <a:p>
             <a:pPr lvl="0"/>
             <a:r>
-              <a:rPr lang="en-US" smtClean="0"/>
+              <a:rPr lang="en-US"/>
               <a:t>Click to edit Master text styles</a:t>
             </a:r>
           </a:p>
           <a:p>
             <a:pPr lvl="1"/>
             <a:r>
-              <a:rPr lang="en-US" smtClean="0"/>
+              <a:rPr lang="en-US"/>
               <a:t>Second level</a:t>
             </a:r>
           </a:p>
           <a:p>
             <a:pPr lvl="2"/>
             <a:r>
-              <a:rPr lang="en-US" smtClean="0"/>
+              <a:rPr lang="en-US"/>
               <a:t>Third level</a:t>
             </a:r>
           </a:p>
           <a:p>
             <a:pPr lvl="3"/>
             <a:r>
-              <a:rPr lang="en-US" smtClean="0"/>
+              <a:rPr lang="en-US"/>
               <a:t>Fourth level</a:t>
             </a:r>
           </a:p>
           <a:p>
             <a:pPr lvl="4"/>
             <a:r>
-              <a:rPr lang="en-US" smtClean="0"/>
+              <a:rPr lang="en-US"/>
               <a:t>Fifth level</a:t>
             </a:r>
-            <a:endParaRPr lang="en-US"/>
           </a:p>
         </p:txBody>
       </p:sp>
@@ -1264,7 +1252,7 @@
           <a:p>
             <a:fld id="{A723523A-0C2E-494D-A67E-57B2EDDBBC5A}" type="datetimeFigureOut">
               <a:rPr lang="en-US" smtClean="0"/>
-              <a:t>5/10/17</a:t>
+              <a:t>7/10/18</a:t>
             </a:fld>
             <a:endParaRPr lang="en-US"/>
           </a:p>
@@ -1363,10 +1351,9 @@
           <a:lstStyle/>
           <a:p>
             <a:r>
-              <a:rPr lang="en-US" smtClean="0"/>
+              <a:rPr lang="en-US"/>
               <a:t>Click to edit Master title style</a:t>
             </a:r>
-            <a:endParaRPr lang="en-US"/>
           </a:p>
         </p:txBody>
       </p:sp>
@@ -1429,7 +1416,7 @@
           <a:p>
             <a:pPr lvl="0"/>
             <a:r>
-              <a:rPr lang="en-US" smtClean="0"/>
+              <a:rPr lang="en-US"/>
               <a:t>Click to edit Master text styles</a:t>
             </a:r>
           </a:p>
@@ -1457,38 +1444,37 @@
           <a:p>
             <a:pPr lvl="0"/>
             <a:r>
-              <a:rPr lang="en-US" smtClean="0"/>
+              <a:rPr lang="en-US"/>
               <a:t>Click to edit Master text styles</a:t>
             </a:r>
           </a:p>
           <a:p>
             <a:pPr lvl="1"/>
             <a:r>
-              <a:rPr lang="en-US" smtClean="0"/>
+              <a:rPr lang="en-US"/>
               <a:t>Second level</a:t>
             </a:r>
           </a:p>
           <a:p>
             <a:pPr lvl="2"/>
             <a:r>
-              <a:rPr lang="en-US" smtClean="0"/>
+              <a:rPr lang="en-US"/>
               <a:t>Third level</a:t>
             </a:r>
           </a:p>
           <a:p>
             <a:pPr lvl="3"/>
             <a:r>
-              <a:rPr lang="en-US" smtClean="0"/>
+              <a:rPr lang="en-US"/>
               <a:t>Fourth level</a:t>
             </a:r>
           </a:p>
           <a:p>
             <a:pPr lvl="4"/>
             <a:r>
-              <a:rPr lang="en-US" smtClean="0"/>
+              <a:rPr lang="en-US"/>
               <a:t>Fifth level</a:t>
             </a:r>
-            <a:endParaRPr lang="en-US"/>
           </a:p>
         </p:txBody>
       </p:sp>
@@ -1551,7 +1537,7 @@
           <a:p>
             <a:pPr lvl="0"/>
             <a:r>
-              <a:rPr lang="en-US" smtClean="0"/>
+              <a:rPr lang="en-US"/>
               <a:t>Click to edit Master text styles</a:t>
             </a:r>
           </a:p>
@@ -1579,38 +1565,37 @@
           <a:p>
             <a:pPr lvl="0"/>
             <a:r>
-              <a:rPr lang="en-US" smtClean="0"/>
+              <a:rPr lang="en-US"/>
               <a:t>Click to edit Master text styles</a:t>
             </a:r>
           </a:p>
           <a:p>
             <a:pPr lvl="1"/>
             <a:r>
-              <a:rPr lang="en-US" smtClean="0"/>
+              <a:rPr lang="en-US"/>
               <a:t>Second level</a:t>
             </a:r>
           </a:p>
           <a:p>
             <a:pPr lvl="2"/>
             <a:r>
-              <a:rPr lang="en-US" smtClean="0"/>
+              <a:rPr lang="en-US"/>
               <a:t>Third level</a:t>
             </a:r>
           </a:p>
           <a:p>
             <a:pPr lvl="3"/>
             <a:r>
-              <a:rPr lang="en-US" smtClean="0"/>
+              <a:rPr lang="en-US"/>
               <a:t>Fourth level</a:t>
             </a:r>
           </a:p>
           <a:p>
             <a:pPr lvl="4"/>
             <a:r>
-              <a:rPr lang="en-US" smtClean="0"/>
+              <a:rPr lang="en-US"/>
               <a:t>Fifth level</a:t>
             </a:r>
-            <a:endParaRPr lang="en-US"/>
           </a:p>
         </p:txBody>
       </p:sp>
@@ -1631,7 +1616,7 @@
           <a:p>
             <a:fld id="{A723523A-0C2E-494D-A67E-57B2EDDBBC5A}" type="datetimeFigureOut">
               <a:rPr lang="en-US" smtClean="0"/>
-              <a:t>5/10/17</a:t>
+              <a:t>7/10/18</a:t>
             </a:fld>
             <a:endParaRPr lang="en-US"/>
           </a:p>
@@ -1725,10 +1710,9 @@
           <a:lstStyle/>
           <a:p>
             <a:r>
-              <a:rPr lang="en-US" smtClean="0"/>
+              <a:rPr lang="en-US"/>
               <a:t>Click to edit Master title style</a:t>
             </a:r>
-            <a:endParaRPr lang="en-US"/>
           </a:p>
         </p:txBody>
       </p:sp>
@@ -1749,7 +1733,7 @@
           <a:p>
             <a:fld id="{A723523A-0C2E-494D-A67E-57B2EDDBBC5A}" type="datetimeFigureOut">
               <a:rPr lang="en-US" smtClean="0"/>
-              <a:t>5/10/17</a:t>
+              <a:t>7/10/18</a:t>
             </a:fld>
             <a:endParaRPr lang="en-US"/>
           </a:p>
@@ -1844,7 +1828,7 @@
           <a:p>
             <a:fld id="{A723523A-0C2E-494D-A67E-57B2EDDBBC5A}" type="datetimeFigureOut">
               <a:rPr lang="en-US" smtClean="0"/>
-              <a:t>5/10/17</a:t>
+              <a:t>7/10/18</a:t>
             </a:fld>
             <a:endParaRPr lang="en-US"/>
           </a:p>
@@ -1947,10 +1931,9 @@
           </a:lstStyle>
           <a:p>
             <a:r>
-              <a:rPr lang="en-US" smtClean="0"/>
+              <a:rPr lang="en-US"/>
               <a:t>Click to edit Master title style</a:t>
             </a:r>
-            <a:endParaRPr lang="en-US"/>
           </a:p>
         </p:txBody>
       </p:sp>
@@ -2004,38 +1987,37 @@
           <a:p>
             <a:pPr lvl="0"/>
             <a:r>
-              <a:rPr lang="en-US" smtClean="0"/>
+              <a:rPr lang="en-US"/>
               <a:t>Click to edit Master text styles</a:t>
             </a:r>
           </a:p>
           <a:p>
             <a:pPr lvl="1"/>
             <a:r>
-              <a:rPr lang="en-US" smtClean="0"/>
+              <a:rPr lang="en-US"/>
               <a:t>Second level</a:t>
             </a:r>
           </a:p>
           <a:p>
             <a:pPr lvl="2"/>
             <a:r>
-              <a:rPr lang="en-US" smtClean="0"/>
+              <a:rPr lang="en-US"/>
               <a:t>Third level</a:t>
             </a:r>
           </a:p>
           <a:p>
             <a:pPr lvl="3"/>
             <a:r>
-              <a:rPr lang="en-US" smtClean="0"/>
+              <a:rPr lang="en-US"/>
               <a:t>Fourth level</a:t>
             </a:r>
           </a:p>
           <a:p>
             <a:pPr lvl="4"/>
             <a:r>
-              <a:rPr lang="en-US" smtClean="0"/>
+              <a:rPr lang="en-US"/>
               <a:t>Fifth level</a:t>
             </a:r>
-            <a:endParaRPr lang="en-US"/>
           </a:p>
         </p:txBody>
       </p:sp>
@@ -2098,7 +2080,7 @@
           <a:p>
             <a:pPr lvl="0"/>
             <a:r>
-              <a:rPr lang="en-US" smtClean="0"/>
+              <a:rPr lang="en-US"/>
               <a:t>Click to edit Master text styles</a:t>
             </a:r>
           </a:p>
@@ -2121,7 +2103,7 @@
           <a:p>
             <a:fld id="{A723523A-0C2E-494D-A67E-57B2EDDBBC5A}" type="datetimeFigureOut">
               <a:rPr lang="en-US" smtClean="0"/>
-              <a:t>5/10/17</a:t>
+              <a:t>7/10/18</a:t>
             </a:fld>
             <a:endParaRPr lang="en-US"/>
           </a:p>
@@ -2224,10 +2206,9 @@
           </a:lstStyle>
           <a:p>
             <a:r>
-              <a:rPr lang="en-US" smtClean="0"/>
+              <a:rPr lang="en-US"/>
               <a:t>Click to edit Master title style</a:t>
             </a:r>
-            <a:endParaRPr lang="en-US"/>
           </a:p>
         </p:txBody>
       </p:sp>
@@ -2351,7 +2332,7 @@
           <a:p>
             <a:pPr lvl="0"/>
             <a:r>
-              <a:rPr lang="en-US" smtClean="0"/>
+              <a:rPr lang="en-US"/>
               <a:t>Click to edit Master text styles</a:t>
             </a:r>
           </a:p>
@@ -2374,7 +2355,7 @@
           <a:p>
             <a:fld id="{A723523A-0C2E-494D-A67E-57B2EDDBBC5A}" type="datetimeFigureOut">
               <a:rPr lang="en-US" smtClean="0"/>
-              <a:t>5/10/17</a:t>
+              <a:t>7/10/18</a:t>
             </a:fld>
             <a:endParaRPr lang="en-US"/>
           </a:p>
@@ -2483,10 +2464,9 @@
           <a:lstStyle/>
           <a:p>
             <a:r>
-              <a:rPr lang="en-US" smtClean="0"/>
+              <a:rPr lang="en-US"/>
               <a:t>Click to edit Master title style</a:t>
             </a:r>
-            <a:endParaRPr lang="en-US"/>
           </a:p>
         </p:txBody>
       </p:sp>
@@ -2517,38 +2497,37 @@
           <a:p>
             <a:pPr lvl="0"/>
             <a:r>
-              <a:rPr lang="en-US" smtClean="0"/>
+              <a:rPr lang="en-US"/>
               <a:t>Click to edit Master text styles</a:t>
             </a:r>
           </a:p>
           <a:p>
             <a:pPr lvl="1"/>
             <a:r>
-              <a:rPr lang="en-US" smtClean="0"/>
+              <a:rPr lang="en-US"/>
               <a:t>Second level</a:t>
             </a:r>
           </a:p>
           <a:p>
             <a:pPr lvl="2"/>
             <a:r>
-              <a:rPr lang="en-US" smtClean="0"/>
+              <a:rPr lang="en-US"/>
               <a:t>Third level</a:t>
             </a:r>
           </a:p>
           <a:p>
             <a:pPr lvl="3"/>
             <a:r>
-              <a:rPr lang="en-US" smtClean="0"/>
+              <a:rPr lang="en-US"/>
               <a:t>Fourth level</a:t>
             </a:r>
           </a:p>
           <a:p>
             <a:pPr lvl="4"/>
             <a:r>
-              <a:rPr lang="en-US" smtClean="0"/>
+              <a:rPr lang="en-US"/>
               <a:t>Fifth level</a:t>
             </a:r>
-            <a:endParaRPr lang="en-US"/>
           </a:p>
         </p:txBody>
       </p:sp>
@@ -2587,7 +2566,7 @@
           <a:p>
             <a:fld id="{A723523A-0C2E-494D-A67E-57B2EDDBBC5A}" type="datetimeFigureOut">
               <a:rPr lang="en-US" smtClean="0"/>
-              <a:t>5/10/17</a:t>
+              <a:t>7/10/18</a:t>
             </a:fld>
             <a:endParaRPr lang="en-US"/>
           </a:p>
@@ -3008,14 +2987,13 @@
           <a:lstStyle/>
           <a:p>
             <a:r>
-              <a:rPr lang="en-US" dirty="0" err="1" smtClean="0"/>
+              <a:rPr lang="en-US" dirty="0" err="1"/>
               <a:t>Fluocell</a:t>
             </a:r>
             <a:r>
-              <a:rPr lang="en-US" dirty="0" smtClean="0"/>
+              <a:rPr lang="en-US" dirty="0"/>
               <a:t> Demo</a:t>
             </a:r>
-            <a:endParaRPr lang="en-US" dirty="0"/>
           </a:p>
         </p:txBody>
       </p:sp>
@@ -3035,18 +3013,17 @@
           <a:lstStyle/>
           <a:p>
             <a:r>
-              <a:rPr lang="en-US" dirty="0" smtClean="0"/>
+              <a:rPr lang="en-US" dirty="0"/>
               <a:t>Qin </a:t>
             </a:r>
             <a:r>
-              <a:rPr lang="en-US" dirty="0" err="1" smtClean="0"/>
+              <a:rPr lang="en-US" dirty="0" err="1"/>
               <a:t>Qin</a:t>
             </a:r>
             <a:r>
-              <a:rPr lang="en-US" dirty="0" smtClean="0"/>
+              <a:rPr lang="en-US" dirty="0"/>
               <a:t> </a:t>
             </a:r>
-            <a:endParaRPr lang="en-US" dirty="0"/>
           </a:p>
         </p:txBody>
       </p:sp>
@@ -3060,13 +3037,6 @@
   <p:clrMapOvr>
     <a:masterClrMapping/>
   </p:clrMapOvr>
-  <p:timing>
-    <p:tnLst>
-      <p:par>
-        <p:cTn id="1" dur="indefinite" restart="never" nodeType="tmRoot"/>
-      </p:par>
-    </p:tnLst>
-  </p:timing>
 </p:sld>
 </file>
 
@@ -3140,10 +3110,9 @@
           <a:lstStyle/>
           <a:p>
             <a:r>
-              <a:rPr lang="en-US" sz="4300" dirty="0" smtClean="0"/>
+              <a:rPr lang="en-US" sz="4300" dirty="0"/>
               <a:t>Multiple Quantification Through Whole Group</a:t>
             </a:r>
-            <a:endParaRPr lang="en-US" sz="4300" dirty="0"/>
           </a:p>
         </p:txBody>
       </p:sp>
@@ -3157,13 +3126,6 @@
   <p:clrMapOvr>
     <a:masterClrMapping/>
   </p:clrMapOvr>
-  <p:timing>
-    <p:tnLst>
-      <p:par>
-        <p:cTn id="1" dur="indefinite" restart="never" nodeType="tmRoot"/>
-      </p:par>
-    </p:tnLst>
-  </p:timing>
 </p:sld>
 </file>
 
@@ -3202,10 +3164,9 @@
           <a:lstStyle/>
           <a:p>
             <a:r>
-              <a:rPr lang="en-US" sz="4300" dirty="0" smtClean="0"/>
+              <a:rPr lang="en-US" sz="4300" dirty="0"/>
               <a:t>Multiple Quantification Through Whole Group</a:t>
             </a:r>
-            <a:endParaRPr lang="en-US" sz="4300" dirty="0"/>
           </a:p>
         </p:txBody>
       </p:sp>
@@ -3217,8 +3178,8 @@
         </p:nvSpPr>
         <p:spPr>
           <a:xfrm>
-            <a:off x="1668379" y="2630905"/>
-            <a:ext cx="9192127" cy="1477328"/>
+            <a:off x="1378857" y="2630905"/>
+            <a:ext cx="9481649" cy="1477328"/>
           </a:xfrm>
           <a:prstGeom prst="rect">
             <a:avLst/>
@@ -3232,75 +3193,75 @@
           <a:lstStyle/>
           <a:p>
             <a:r>
-              <a:rPr lang="en-US" dirty="0" smtClean="0"/>
+              <a:rPr lang="en-US" dirty="0"/>
               <a:t>&gt;&gt; </a:t>
             </a:r>
             <a:r>
-              <a:rPr lang="en-US" dirty="0" err="1" smtClean="0"/>
+              <a:rPr lang="en-US" dirty="0" err="1"/>
               <a:t>fluocell_data.num_layers</a:t>
             </a:r>
             <a:r>
-              <a:rPr lang="en-US" dirty="0" smtClean="0"/>
+              <a:rPr lang="en-US" dirty="0"/>
               <a:t> = 3;</a:t>
             </a:r>
           </a:p>
           <a:p>
             <a:r>
-              <a:rPr lang="en-US" dirty="0" smtClean="0"/>
+              <a:rPr lang="en-US" dirty="0"/>
               <a:t>&gt;&gt; group = g2p_init_data(</a:t>
             </a:r>
             <a:r>
-              <a:rPr lang="en-US" dirty="0" err="1" smtClean="0"/>
+              <a:rPr lang="en-US" dirty="0" err="1"/>
               <a:t>fluocell_data</a:t>
             </a:r>
             <a:r>
-              <a:rPr lang="en-US" dirty="0" smtClean="0"/>
+              <a:rPr lang="en-US" dirty="0"/>
               <a:t>, '</a:t>
             </a:r>
             <a:r>
-              <a:rPr lang="en-US" dirty="0" err="1" smtClean="0"/>
+              <a:rPr lang="en-US" dirty="0" err="1"/>
               <a:t>group_data</a:t>
             </a:r>
             <a:r>
-              <a:rPr lang="en-US" dirty="0" smtClean="0"/>
+              <a:rPr lang="en-US" dirty="0"/>
               <a:t>', []);</a:t>
             </a:r>
           </a:p>
           <a:p>
             <a:r>
-              <a:rPr lang="en-US" dirty="0" smtClean="0"/>
+              <a:rPr lang="en-US" dirty="0"/>
               <a:t>g2p_init_data: Update from </a:t>
             </a:r>
             <a:r>
-              <a:rPr lang="en-US" dirty="0" err="1" smtClean="0"/>
+              <a:rPr lang="en-US" dirty="0" err="1"/>
               <a:t>fluocell_data</a:t>
             </a:r>
             <a:r>
-              <a:rPr lang="en-US" dirty="0" smtClean="0"/>
+              <a:rPr lang="en-US" dirty="0"/>
               <a:t> since there is no input of group data or the data file. </a:t>
             </a:r>
           </a:p>
           <a:p>
             <a:r>
-              <a:rPr lang="en-US" dirty="0" smtClean="0"/>
+              <a:rPr lang="en-US" dirty="0"/>
               <a:t>g2p_init_data: Please make sure the </a:t>
             </a:r>
             <a:r>
-              <a:rPr lang="en-US" dirty="0" err="1" smtClean="0"/>
+              <a:rPr lang="en-US" dirty="0" err="1"/>
               <a:t>fluocell</a:t>
             </a:r>
             <a:r>
-              <a:rPr lang="en-US" dirty="0" smtClean="0"/>
+              <a:rPr lang="en-US" dirty="0"/>
               <a:t> is reading images from the p1 position.</a:t>
             </a:r>
           </a:p>
           <a:p>
             <a:r>
-              <a:rPr lang="en-US" dirty="0" err="1" smtClean="0"/>
+              <a:rPr lang="en-US" dirty="0" err="1"/>
               <a:t>pdgf</a:t>
             </a:r>
             <a:r>
-              <a:rPr lang="en-US" dirty="0" smtClean="0"/>
+              <a:rPr lang="en-US" dirty="0"/>
               <a:t> time = 643.100000</a:t>
             </a:r>
           </a:p>
@@ -3316,13 +3277,6 @@
   <p:clrMapOvr>
     <a:masterClrMapping/>
   </p:clrMapOvr>
-  <p:timing>
-    <p:tnLst>
-      <p:par>
-        <p:cTn id="1" dur="indefinite" restart="never" nodeType="tmRoot"/>
-      </p:par>
-    </p:tnLst>
-  </p:timing>
 </p:sld>
 </file>
 
@@ -3361,10 +3315,9 @@
           <a:lstStyle/>
           <a:p>
             <a:r>
-              <a:rPr lang="en-US" sz="4300" dirty="0" smtClean="0"/>
+              <a:rPr lang="en-US" sz="4300" dirty="0"/>
               <a:t>Multiple Quantification Through Whole Group</a:t>
             </a:r>
-            <a:endParaRPr lang="en-US" sz="4300" dirty="0"/>
           </a:p>
         </p:txBody>
       </p:sp>
@@ -3395,7 +3348,7 @@
               </a:lnSpc>
             </a:pPr>
             <a:r>
-              <a:rPr lang="en-US" dirty="0" smtClean="0"/>
+              <a:rPr lang="en-US" dirty="0"/>
               <a:t>&gt;&gt; </a:t>
             </a:r>
             <a:r>
@@ -3412,13 +3365,8 @@
             </a:r>
             <a:r>
               <a:rPr lang="en-US" dirty="0"/>
-              <a:t>', [1 15 30 45</a:t>
-            </a:r>
-            <a:r>
-              <a:rPr lang="en-US" dirty="0" smtClean="0"/>
-              <a:t>])</a:t>
-            </a:r>
-            <a:endParaRPr lang="en-US" dirty="0"/>
+              <a:t>', [1 15 30 45])</a:t>
+            </a:r>
           </a:p>
         </p:txBody>
       </p:sp>
@@ -3483,10 +3431,9 @@
           <a:lstStyle/>
           <a:p>
             <a:r>
-              <a:rPr lang="en-US" sz="1600" dirty="0" smtClean="0"/>
+              <a:rPr lang="en-US" sz="1600" dirty="0"/>
               <a:t>‘group’ data structure as a main input</a:t>
             </a:r>
-            <a:endParaRPr lang="en-US" sz="1600" dirty="0"/>
           </a:p>
         </p:txBody>
       </p:sp>
@@ -3551,10 +3498,9 @@
           <a:lstStyle/>
           <a:p>
             <a:r>
-              <a:rPr lang="en-US" sz="1600" dirty="0" smtClean="0"/>
+              <a:rPr lang="en-US" sz="1600" dirty="0"/>
               <a:t>Parameter given by the user, which are the time points to check</a:t>
             </a:r>
-            <a:endParaRPr lang="en-US" sz="1600" dirty="0"/>
           </a:p>
         </p:txBody>
       </p:sp>
@@ -3568,13 +3514,6 @@
   <p:clrMapOvr>
     <a:masterClrMapping/>
   </p:clrMapOvr>
-  <p:timing>
-    <p:tnLst>
-      <p:par>
-        <p:cTn id="1" dur="indefinite" restart="never" nodeType="tmRoot"/>
-      </p:par>
-    </p:tnLst>
-  </p:timing>
 </p:sld>
 </file>
 
@@ -3613,10 +3552,9 @@
           <a:lstStyle/>
           <a:p>
             <a:r>
-              <a:rPr lang="en-US" sz="4300" dirty="0" smtClean="0"/>
+              <a:rPr lang="en-US" sz="4300" dirty="0"/>
               <a:t>Multiple Quantification Through Whole Group</a:t>
             </a:r>
-            <a:endParaRPr lang="en-US" sz="4300" dirty="0"/>
           </a:p>
         </p:txBody>
       </p:sp>
@@ -3726,13 +3664,6 @@
   <p:clrMapOvr>
     <a:masterClrMapping/>
   </p:clrMapOvr>
-  <p:timing>
-    <p:tnLst>
-      <p:par>
-        <p:cTn id="1" dur="indefinite" restart="never" nodeType="tmRoot"/>
-      </p:par>
-    </p:tnLst>
-  </p:timing>
 </p:sld>
 </file>
 
@@ -3771,10 +3702,9 @@
           <a:lstStyle/>
           <a:p>
             <a:r>
-              <a:rPr lang="en-US" sz="4300" dirty="0" smtClean="0"/>
+              <a:rPr lang="en-US" sz="4300" dirty="0"/>
               <a:t>Multiple Quantification Through Whole Group</a:t>
             </a:r>
-            <a:endParaRPr lang="en-US" sz="4300" dirty="0"/>
           </a:p>
         </p:txBody>
       </p:sp>
@@ -3944,18 +3874,17 @@
           <a:lstStyle/>
           <a:p>
             <a:r>
-              <a:rPr lang="en-US" dirty="0" smtClean="0"/>
+              <a:rPr lang="en-US" dirty="0"/>
               <a:t>&gt;&gt; g2p_quantify(group, '</a:t>
             </a:r>
             <a:r>
-              <a:rPr lang="en-US" dirty="0" err="1" smtClean="0"/>
+              <a:rPr lang="en-US" dirty="0" err="1"/>
               <a:t>show_figure</a:t>
             </a:r>
             <a:r>
-              <a:rPr lang="en-US" dirty="0" smtClean="0"/>
+              <a:rPr lang="en-US" dirty="0"/>
               <a:t>', 0);</a:t>
             </a:r>
-            <a:endParaRPr lang="en-US" dirty="0"/>
           </a:p>
         </p:txBody>
       </p:sp>
@@ -3969,13 +3898,6 @@
   <p:clrMapOvr>
     <a:masterClrMapping/>
   </p:clrMapOvr>
-  <p:timing>
-    <p:tnLst>
-      <p:par>
-        <p:cTn id="1" dur="indefinite" restart="never" nodeType="tmRoot"/>
-      </p:par>
-    </p:tnLst>
-  </p:timing>
 </p:sld>
 </file>
 
@@ -4014,10 +3936,9 @@
           <a:lstStyle/>
           <a:p>
             <a:r>
-              <a:rPr lang="en-US" sz="4300" dirty="0" smtClean="0"/>
+              <a:rPr lang="en-US" sz="4300" dirty="0"/>
               <a:t>Multiple Quantification Through Whole Group</a:t>
             </a:r>
-            <a:endParaRPr lang="en-US" sz="4300" dirty="0"/>
           </a:p>
         </p:txBody>
       </p:sp>
@@ -4043,42 +3964,41 @@
           <a:lstStyle/>
           <a:p>
             <a:r>
-              <a:rPr lang="en-US" dirty="0" smtClean="0"/>
+              <a:rPr lang="en-US" dirty="0"/>
               <a:t>&gt;&gt; </a:t>
             </a:r>
             <a:r>
-              <a:rPr lang="en-US" dirty="0" err="1" smtClean="0"/>
+              <a:rPr lang="en-US" dirty="0" err="1"/>
               <a:t>group_plot</a:t>
             </a:r>
             <a:r>
-              <a:rPr lang="en-US" dirty="0" smtClean="0"/>
+              <a:rPr lang="en-US" dirty="0"/>
               <a:t>(group,'method',3, '</a:t>
             </a:r>
             <a:r>
-              <a:rPr lang="en-US" dirty="0" err="1" smtClean="0"/>
+              <a:rPr lang="en-US" dirty="0" err="1"/>
               <a:t>save_excel_file</a:t>
             </a:r>
             <a:r>
-              <a:rPr lang="en-US" dirty="0" smtClean="0"/>
+              <a:rPr lang="en-US" dirty="0"/>
               <a:t>', 1, '</a:t>
             </a:r>
             <a:r>
-              <a:rPr lang="en-US" dirty="0" err="1" smtClean="0"/>
+              <a:rPr lang="en-US" dirty="0" err="1"/>
               <a:t>sheet_name</a:t>
             </a:r>
             <a:r>
-              <a:rPr lang="en-US" dirty="0" smtClean="0"/>
+              <a:rPr lang="en-US" dirty="0"/>
               <a:t>', 'Cytosolic', '</a:t>
             </a:r>
             <a:r>
-              <a:rPr lang="en-US" dirty="0" err="1" smtClean="0"/>
+              <a:rPr lang="en-US" dirty="0" err="1"/>
               <a:t>tag_curve</a:t>
             </a:r>
             <a:r>
-              <a:rPr lang="en-US" dirty="0" smtClean="0"/>
+              <a:rPr lang="en-US" dirty="0"/>
               <a:t>', 1);</a:t>
             </a:r>
-            <a:endParaRPr lang="en-US" dirty="0"/>
           </a:p>
         </p:txBody>
       </p:sp>
@@ -4116,13 +4036,6 @@
   <p:clrMapOvr>
     <a:masterClrMapping/>
   </p:clrMapOvr>
-  <p:timing>
-    <p:tnLst>
-      <p:par>
-        <p:cTn id="1" dur="indefinite" restart="never" nodeType="tmRoot"/>
-      </p:par>
-    </p:tnLst>
-  </p:timing>
 </p:sld>
 </file>
 
@@ -4161,10 +4074,9 @@
           <a:lstStyle/>
           <a:p>
             <a:r>
-              <a:rPr lang="en-US" sz="4300" dirty="0" smtClean="0"/>
+              <a:rPr lang="en-US" sz="4300" dirty="0"/>
               <a:t>Multiple Quantification Through Whole Group</a:t>
             </a:r>
-            <a:endParaRPr lang="en-US" sz="4300" dirty="0"/>
           </a:p>
         </p:txBody>
       </p:sp>
@@ -4195,7 +4107,7 @@
               </a:lnSpc>
             </a:pPr>
             <a:r>
-              <a:rPr lang="en-US" sz="2400" dirty="0" smtClean="0"/>
+              <a:rPr lang="en-US" sz="2400" dirty="0"/>
               <a:t>Message on the command window of MATLAB:</a:t>
             </a:r>
           </a:p>
@@ -4206,12 +4118,8 @@
               </a:lnSpc>
             </a:pPr>
             <a:r>
-              <a:rPr lang="en-US" sz="2400" dirty="0" smtClean="0"/>
-              <a:t>The </a:t>
-            </a:r>
-            <a:r>
               <a:rPr lang="en-US" sz="2400" dirty="0"/>
-              <a:t>positions chosen here are </a:t>
+              <a:t>The positions chosen here are </a:t>
             </a:r>
             <a:r>
               <a:rPr lang="en-US" sz="2400" u="sng" dirty="0"/>
@@ -4264,10 +4172,9 @@
           <a:lstStyle/>
           <a:p>
             <a:r>
-              <a:rPr lang="en-US" dirty="0" smtClean="0"/>
+              <a:rPr lang="en-US" dirty="0"/>
               <a:t>Fast and accurately locate the bad curves based on the group plot</a:t>
             </a:r>
-            <a:endParaRPr lang="en-US" dirty="0"/>
           </a:p>
         </p:txBody>
       </p:sp>
@@ -4365,14 +4272,14 @@
           <a:lstStyle/>
           <a:p>
             <a:r>
-              <a:rPr lang="en-US" dirty="0" smtClean="0"/>
+              <a:rPr lang="en-US" dirty="0"/>
               <a:t>Interaction between user and </a:t>
             </a:r>
             <a:r>
-              <a:rPr lang="en-US" dirty="0" err="1" smtClean="0"/>
+              <a:rPr lang="en-US" dirty="0" err="1"/>
               <a:t>Fluocell</a:t>
             </a:r>
-            <a:endParaRPr lang="en-US" dirty="0" smtClean="0"/>
+            <a:endParaRPr lang="en-US" dirty="0"/>
           </a:p>
           <a:p>
             <a:pPr marL="285750" indent="-285750">
@@ -4380,15 +4287,15 @@
               <a:buChar char="•"/>
             </a:pPr>
             <a:r>
-              <a:rPr lang="en-US" dirty="0" smtClean="0"/>
+              <a:rPr lang="en-US" dirty="0"/>
               <a:t>Y or y, </a:t>
             </a:r>
             <a:r>
-              <a:rPr lang="en-US" dirty="0" err="1" smtClean="0"/>
+              <a:rPr lang="en-US" dirty="0" err="1"/>
               <a:t>Fluocell</a:t>
             </a:r>
             <a:r>
-              <a:rPr lang="en-US" dirty="0" smtClean="0"/>
+              <a:rPr lang="en-US" dirty="0"/>
               <a:t> will help move the whole position to the output folder parallel to positions (not really delete the information)</a:t>
             </a:r>
           </a:p>
@@ -4398,10 +4305,9 @@
               <a:buChar char="•"/>
             </a:pPr>
             <a:r>
-              <a:rPr lang="en-US" dirty="0" smtClean="0"/>
+              <a:rPr lang="en-US" dirty="0"/>
               <a:t>N or n, nothing changed</a:t>
             </a:r>
-            <a:endParaRPr lang="en-US" dirty="0"/>
           </a:p>
         </p:txBody>
       </p:sp>
@@ -4450,13 +4356,6 @@
   <p:clrMapOvr>
     <a:masterClrMapping/>
   </p:clrMapOvr>
-  <p:timing>
-    <p:tnLst>
-      <p:par>
-        <p:cTn id="1" dur="indefinite" restart="never" nodeType="tmRoot"/>
-      </p:par>
-    </p:tnLst>
-  </p:timing>
 </p:sld>
 </file>
 
@@ -4495,10 +4394,9 @@
           <a:lstStyle/>
           <a:p>
             <a:r>
-              <a:rPr lang="en-US" sz="4300" dirty="0" smtClean="0"/>
+              <a:rPr lang="en-US" sz="4300" dirty="0"/>
               <a:t>Multiple Quantification Through Whole Group</a:t>
             </a:r>
-            <a:endParaRPr lang="en-US" sz="4300" dirty="0"/>
           </a:p>
         </p:txBody>
       </p:sp>
@@ -4560,13 +4458,6 @@
   <p:clrMapOvr>
     <a:masterClrMapping/>
   </p:clrMapOvr>
-  <p:timing>
-    <p:tnLst>
-      <p:par>
-        <p:cTn id="1" dur="indefinite" restart="never" nodeType="tmRoot"/>
-      </p:par>
-    </p:tnLst>
-  </p:timing>
 </p:sld>
 </file>
 
@@ -4605,10 +4496,9 @@
           <a:lstStyle/>
           <a:p>
             <a:r>
-              <a:rPr lang="en-US" sz="4300" dirty="0" smtClean="0"/>
+              <a:rPr lang="en-US" sz="4300" dirty="0"/>
               <a:t>Multiple Quantification Through Whole Group</a:t>
             </a:r>
-            <a:endParaRPr lang="en-US" sz="4300" dirty="0"/>
           </a:p>
         </p:txBody>
       </p:sp>
@@ -4722,13 +4612,6 @@
   <p:clrMapOvr>
     <a:masterClrMapping/>
   </p:clrMapOvr>
-  <p:timing>
-    <p:tnLst>
-      <p:par>
-        <p:cTn id="1" dur="indefinite" restart="never" nodeType="tmRoot"/>
-      </p:par>
-    </p:tnLst>
-  </p:timing>
 </p:sld>
 </file>
 
@@ -4767,10 +4650,9 @@
           <a:lstStyle/>
           <a:p>
             <a:r>
-              <a:rPr lang="en-US" sz="4300" dirty="0" smtClean="0"/>
+              <a:rPr lang="en-US" sz="4300" dirty="0"/>
               <a:t>Multiple Quantification Through Whole Group</a:t>
             </a:r>
-            <a:endParaRPr lang="en-US" sz="4300" dirty="0"/>
           </a:p>
         </p:txBody>
       </p:sp>
@@ -4829,46 +4711,45 @@
           <a:lstStyle/>
           <a:p>
             <a:r>
-              <a:rPr lang="en-US" dirty="0" err="1" smtClean="0"/>
+              <a:rPr lang="en-US" dirty="0" err="1"/>
               <a:t>group_make_movie</a:t>
             </a:r>
             <a:r>
-              <a:rPr lang="en-US" dirty="0" smtClean="0"/>
+              <a:rPr lang="en-US" dirty="0"/>
               <a:t>(group, '</a:t>
             </a:r>
             <a:r>
-              <a:rPr lang="en-US" dirty="0" err="1" smtClean="0"/>
+              <a:rPr lang="en-US" dirty="0" err="1"/>
               <a:t>color_bar</a:t>
             </a:r>
             <a:r>
-              <a:rPr lang="en-US" dirty="0" smtClean="0"/>
+              <a:rPr lang="en-US" dirty="0"/>
               <a:t>', 1, 'position', 'p1', '</a:t>
             </a:r>
             <a:r>
-              <a:rPr lang="en-US" dirty="0" err="1" smtClean="0"/>
+              <a:rPr lang="en-US" dirty="0" err="1"/>
               <a:t>stimulus_info</a:t>
             </a:r>
             <a:r>
-              <a:rPr lang="en-US" dirty="0" smtClean="0"/>
+              <a:rPr lang="en-US" dirty="0"/>
               <a:t>', '</a:t>
             </a:r>
             <a:r>
-              <a:rPr lang="en-US" dirty="0" err="1" smtClean="0"/>
+              <a:rPr lang="en-US" dirty="0" err="1"/>
               <a:t>pdgf</a:t>
             </a:r>
             <a:r>
-              <a:rPr lang="en-US" dirty="0" smtClean="0"/>
+              <a:rPr lang="en-US" dirty="0"/>
               <a:t>', '</a:t>
             </a:r>
             <a:r>
-              <a:rPr lang="en-US" dirty="0" err="1" smtClean="0"/>
+              <a:rPr lang="en-US" dirty="0" err="1"/>
               <a:t>intensity_bound</a:t>
             </a:r>
             <a:r>
-              <a:rPr lang="en-US" dirty="0" smtClean="0"/>
+              <a:rPr lang="en-US" dirty="0"/>
               <a:t>', [200, 1000]);</a:t>
             </a:r>
-            <a:endParaRPr lang="en-US" dirty="0"/>
           </a:p>
         </p:txBody>
       </p:sp>
@@ -5046,19 +4927,8 @@
                 <a:latin typeface="Arial" panose="020B0604020202020204" pitchFamily="34" charset="0"/>
                 <a:cs typeface="Arial" panose="020B0604020202020204" pitchFamily="34" charset="0"/>
               </a:rPr>
-              <a:t> </a:t>
-            </a:r>
-            <a:r>
-              <a:rPr lang="en-US" sz="2800" dirty="0" smtClean="0">
-                <a:latin typeface="Arial" panose="020B0604020202020204" pitchFamily="34" charset="0"/>
-                <a:cs typeface="Arial" panose="020B0604020202020204" pitchFamily="34" charset="0"/>
-              </a:rPr>
-              <a:t>GUI</a:t>
-            </a:r>
-            <a:endParaRPr lang="en-US" sz="2800" dirty="0">
-              <a:latin typeface="Arial" panose="020B0604020202020204" pitchFamily="34" charset="0"/>
-              <a:cs typeface="Arial" panose="020B0604020202020204" pitchFamily="34" charset="0"/>
-            </a:endParaRPr>
+              <a:t> GUI</a:t>
+            </a:r>
           </a:p>
         </p:txBody>
       </p:sp>
@@ -5120,23 +4990,15 @@
               <a:buChar char="•"/>
             </a:pPr>
             <a:r>
-              <a:rPr lang="en-US" dirty="0" smtClean="0"/>
-              <a:t>Step 1:</a:t>
-            </a:r>
-            <a:r>
               <a:rPr lang="en-US" dirty="0"/>
-              <a:t> </a:t>
-            </a:r>
-            <a:r>
-              <a:rPr lang="en-US" dirty="0" smtClean="0"/>
-              <a:t>close current MATLAB and use </a:t>
-            </a:r>
-            <a:r>
-              <a:rPr lang="en-US" dirty="0" err="1" smtClean="0"/>
+              <a:t>Step 1: close current MATLAB and use </a:t>
+            </a:r>
+            <a:r>
+              <a:rPr lang="en-US" dirty="0" err="1"/>
               <a:t>Fluocell</a:t>
             </a:r>
             <a:r>
-              <a:rPr lang="en-US" dirty="0" smtClean="0"/>
+              <a:rPr lang="en-US" dirty="0"/>
               <a:t> to call out MATLAB</a:t>
             </a:r>
           </a:p>
@@ -5560,10 +5422,9 @@
           <a:lstStyle/>
           <a:p>
             <a:r>
-              <a:rPr lang="en-US" sz="4300" dirty="0" smtClean="0"/>
+              <a:rPr lang="en-US" sz="4300" dirty="0"/>
               <a:t>Multiple Quantification Through Whole Group</a:t>
             </a:r>
-            <a:endParaRPr lang="en-US" sz="4300" dirty="0"/>
           </a:p>
         </p:txBody>
       </p:sp>
@@ -5589,178 +5450,173 @@
           <a:lstStyle/>
           <a:p>
             <a:r>
-              <a:rPr lang="en-US" sz="1600" dirty="0" smtClean="0"/>
+              <a:rPr lang="en-US" sz="1600" dirty="0"/>
               <a:t>&gt;&gt; </a:t>
             </a:r>
             <a:r>
-              <a:rPr lang="en-US" sz="1600" dirty="0" err="1" smtClean="0"/>
+              <a:rPr lang="en-US" sz="1600" dirty="0" err="1"/>
               <a:t>group_compare</a:t>
             </a:r>
             <a:r>
-              <a:rPr lang="en-US" sz="1600" dirty="0" smtClean="0"/>
+              <a:rPr lang="en-US" sz="1600" dirty="0"/>
               <a:t>( group,'</a:t>
             </a:r>
             <a:r>
-              <a:rPr lang="en-US" sz="1600" dirty="0" err="1" smtClean="0"/>
+              <a:rPr lang="en-US" sz="1600" dirty="0" err="1"/>
               <a:t>excel_file</a:t>
             </a:r>
             <a:r>
-              <a:rPr lang="en-US" sz="1600" dirty="0" smtClean="0"/>
+              <a:rPr lang="en-US" sz="1600" dirty="0"/>
               <a:t>', 'fluocell-data.xlsx', '</a:t>
             </a:r>
             <a:r>
-              <a:rPr lang="en-US" sz="1600" dirty="0" err="1" smtClean="0"/>
+              <a:rPr lang="en-US" sz="1600" dirty="0" err="1"/>
               <a:t>error_bar_interval</a:t>
             </a:r>
             <a:r>
-              <a:rPr lang="en-US" sz="1600" dirty="0" smtClean="0"/>
+              <a:rPr lang="en-US" sz="1600" dirty="0"/>
               <a:t>', 3, '</a:t>
             </a:r>
             <a:r>
-              <a:rPr lang="en-US" sz="1600" dirty="0" err="1" smtClean="0"/>
+              <a:rPr lang="en-US" sz="1600" dirty="0" err="1"/>
               <a:t>statistics','t</a:t>
             </a:r>
             <a:r>
-              <a:rPr lang="en-US" sz="1600" dirty="0" smtClean="0"/>
+              <a:rPr lang="en-US" sz="1600" dirty="0"/>
               <a:t>-test', '</a:t>
             </a:r>
             <a:r>
-              <a:rPr lang="en-US" sz="1600" dirty="0" err="1" smtClean="0"/>
+              <a:rPr lang="en-US" sz="1600" dirty="0" err="1"/>
               <a:t>time_range</a:t>
             </a:r>
             <a:r>
-              <a:rPr lang="en-US" sz="1600" dirty="0" smtClean="0"/>
+              <a:rPr lang="en-US" sz="1600" dirty="0"/>
               <a:t>', [20, 35], '</a:t>
             </a:r>
             <a:r>
-              <a:rPr lang="en-US" sz="1600" dirty="0" err="1" smtClean="0"/>
+              <a:rPr lang="en-US" sz="1600" dirty="0" err="1"/>
               <a:t>group_name</a:t>
             </a:r>
             <a:r>
-              <a:rPr lang="en-US" sz="1600" dirty="0" smtClean="0"/>
+              <a:rPr lang="en-US" sz="1600" dirty="0"/>
               <a:t>', {'Cytosolic', 'Membrane'}, '</a:t>
             </a:r>
             <a:r>
-              <a:rPr lang="en-US" sz="1600" dirty="0" err="1" smtClean="0"/>
+              <a:rPr lang="en-US" sz="1600" dirty="0" err="1"/>
               <a:t>enable_violin_plot</a:t>
             </a:r>
             <a:r>
-              <a:rPr lang="en-US" sz="1600" dirty="0" smtClean="0"/>
+              <a:rPr lang="en-US" sz="1600" dirty="0"/>
               <a:t>', 1);</a:t>
             </a:r>
           </a:p>
           <a:p>
             <a:r>
-              <a:rPr lang="en-US" sz="1600" dirty="0" smtClean="0"/>
+              <a:rPr lang="en-US" sz="1600" dirty="0"/>
               <a:t> </a:t>
             </a:r>
           </a:p>
           <a:p>
             <a:r>
-              <a:rPr lang="en-US" sz="1600" dirty="0" smtClean="0"/>
+              <a:rPr lang="en-US" sz="1600" dirty="0"/>
               <a:t>Mean Ratio +/- Standard Error</a:t>
             </a:r>
           </a:p>
           <a:p>
             <a:r>
               <a:rPr lang="en-US" sz="1600" dirty="0"/>
-              <a:t>For group Cytosolic(n = 30), 1.8139 +/- </a:t>
-            </a:r>
-            <a:r>
-              <a:rPr lang="en-US" sz="1600" dirty="0" smtClean="0"/>
-              <a:t>0.0092795</a:t>
-            </a:r>
-          </a:p>
-          <a:p>
-            <a:r>
-              <a:rPr lang="en-US" sz="1600" dirty="0" smtClean="0"/>
+              <a:t>For group Cytosolic(n = 30), 1.8139 +/- 0.0092795</a:t>
+            </a:r>
+          </a:p>
+          <a:p>
+            <a:r>
+              <a:rPr lang="en-US" sz="1600" dirty="0"/>
               <a:t>For group Membrane(n = 37), 1.521 +/- 0.0037689</a:t>
             </a:r>
           </a:p>
           <a:p>
             <a:r>
-              <a:rPr lang="en-US" sz="1600" dirty="0" smtClean="0"/>
+              <a:rPr lang="en-US" sz="1600" dirty="0"/>
               <a:t>There is significant difference between Cytosolic and Membrane.</a:t>
             </a:r>
           </a:p>
           <a:p>
             <a:r>
-              <a:rPr lang="en-US" sz="1600" dirty="0" smtClean="0"/>
+              <a:rPr lang="en-US" sz="1600" dirty="0"/>
               <a:t>The p value is 4.6839e-07.</a:t>
             </a:r>
           </a:p>
           <a:p>
             <a:r>
-              <a:rPr lang="en-US" sz="1600" dirty="0" smtClean="0"/>
+              <a:rPr lang="en-US" sz="1600" dirty="0"/>
               <a:t> </a:t>
             </a:r>
           </a:p>
           <a:p>
             <a:r>
-              <a:rPr lang="en-US" sz="1600" dirty="0" smtClean="0"/>
+              <a:rPr lang="en-US" sz="1600" dirty="0"/>
               <a:t>Mean Time +/- Standard Error</a:t>
             </a:r>
           </a:p>
           <a:p>
             <a:r>
-              <a:rPr lang="en-US" sz="1600" dirty="0" smtClean="0"/>
+              <a:rPr lang="en-US" sz="1600" dirty="0"/>
               <a:t>For group Cytosolic(n = 30),12.81 +/- 0.12711</a:t>
             </a:r>
           </a:p>
           <a:p>
             <a:r>
-              <a:rPr lang="en-US" sz="1600" dirty="0" smtClean="0"/>
+              <a:rPr lang="en-US" sz="1600" dirty="0"/>
               <a:t>For group Membrane(n = 37),21.3919 +/- 0.2292</a:t>
             </a:r>
           </a:p>
           <a:p>
             <a:r>
-              <a:rPr lang="en-US" sz="1600" dirty="0" smtClean="0"/>
+              <a:rPr lang="en-US" sz="1600" dirty="0"/>
               <a:t>There is significant difference between Cytosolic and Membrane.</a:t>
             </a:r>
           </a:p>
           <a:p>
             <a:r>
-              <a:rPr lang="en-US" sz="1600" dirty="0" smtClean="0"/>
+              <a:rPr lang="en-US" sz="1600" dirty="0"/>
               <a:t>The p value is 2.7984e-06.</a:t>
             </a:r>
           </a:p>
           <a:p>
             <a:r>
-              <a:rPr lang="en-US" sz="1600" dirty="0" smtClean="0"/>
+              <a:rPr lang="en-US" sz="1600" dirty="0"/>
               <a:t> </a:t>
             </a:r>
           </a:p>
           <a:p>
             <a:r>
-              <a:rPr lang="en-US" sz="1600" dirty="0" smtClean="0"/>
+              <a:rPr lang="en-US" sz="1600" dirty="0"/>
               <a:t>Peak Ratio +/- Standard Error</a:t>
             </a:r>
           </a:p>
           <a:p>
             <a:r>
-              <a:rPr lang="en-US" sz="1600" dirty="0" smtClean="0"/>
+              <a:rPr lang="en-US" sz="1600" dirty="0"/>
               <a:t>For group Cytosolic(n = 30), 1.9917 +/- 0.0087202</a:t>
             </a:r>
           </a:p>
           <a:p>
             <a:r>
-              <a:rPr lang="en-US" sz="1600" dirty="0" smtClean="0"/>
+              <a:rPr lang="en-US" sz="1600" dirty="0"/>
               <a:t>For group Membrane(n = 37), 1.5704 +/- 0.0037993</a:t>
             </a:r>
           </a:p>
           <a:p>
             <a:r>
-              <a:rPr lang="en-US" sz="1600" dirty="0" smtClean="0"/>
+              <a:rPr lang="en-US" sz="1600" dirty="0"/>
               <a:t>There is significant difference between Cytosolic and Membrane.</a:t>
             </a:r>
           </a:p>
           <a:p>
             <a:r>
-              <a:rPr lang="en-US" sz="1600" dirty="0" smtClean="0"/>
+              <a:rPr lang="en-US" sz="1600" dirty="0"/>
               <a:t>The p value is 5.2375e-12.</a:t>
             </a:r>
-            <a:endParaRPr lang="en-US" sz="1600" dirty="0"/>
           </a:p>
         </p:txBody>
       </p:sp>
@@ -5774,13 +5630,6 @@
   <p:clrMapOvr>
     <a:masterClrMapping/>
   </p:clrMapOvr>
-  <p:timing>
-    <p:tnLst>
-      <p:par>
-        <p:cTn id="1" dur="indefinite" restart="never" nodeType="tmRoot"/>
-      </p:par>
-    </p:tnLst>
-  </p:timing>
 </p:sld>
 </file>
 
@@ -5819,10 +5668,9 @@
           <a:lstStyle/>
           <a:p>
             <a:r>
-              <a:rPr lang="en-US" sz="4300" dirty="0" smtClean="0"/>
+              <a:rPr lang="en-US" sz="4300" dirty="0"/>
               <a:t>Multiple Quantification Through Whole Group</a:t>
             </a:r>
-            <a:endParaRPr lang="en-US" sz="4300" dirty="0"/>
           </a:p>
         </p:txBody>
       </p:sp>
@@ -5860,13 +5708,6 @@
   <p:clrMapOvr>
     <a:masterClrMapping/>
   </p:clrMapOvr>
-  <p:timing>
-    <p:tnLst>
-      <p:par>
-        <p:cTn id="1" dur="indefinite" restart="never" nodeType="tmRoot"/>
-      </p:par>
-    </p:tnLst>
-  </p:timing>
 </p:sld>
 </file>
 
@@ -5905,10 +5746,9 @@
           <a:lstStyle/>
           <a:p>
             <a:r>
-              <a:rPr lang="en-US" sz="4300" dirty="0" smtClean="0"/>
+              <a:rPr lang="en-US" sz="4300" dirty="0"/>
               <a:t>Multiple Quantification Through Whole Group</a:t>
             </a:r>
-            <a:endParaRPr lang="en-US" sz="4300" dirty="0"/>
           </a:p>
         </p:txBody>
       </p:sp>
@@ -5946,13 +5786,6 @@
   <p:clrMapOvr>
     <a:masterClrMapping/>
   </p:clrMapOvr>
-  <p:timing>
-    <p:tnLst>
-      <p:par>
-        <p:cTn id="1" dur="indefinite" restart="never" nodeType="tmRoot"/>
-      </p:par>
-    </p:tnLst>
-  </p:timing>
 </p:sld>
 </file>
 
@@ -5991,10 +5824,9 @@
           <a:lstStyle/>
           <a:p>
             <a:r>
-              <a:rPr lang="en-US" sz="4300" dirty="0" smtClean="0"/>
+              <a:rPr lang="en-US" sz="4300" dirty="0"/>
               <a:t>Multiple Quantification Through Whole Group</a:t>
             </a:r>
-            <a:endParaRPr lang="en-US" sz="4300" dirty="0"/>
           </a:p>
         </p:txBody>
       </p:sp>
@@ -6032,13 +5864,6 @@
   <p:clrMapOvr>
     <a:masterClrMapping/>
   </p:clrMapOvr>
-  <p:timing>
-    <p:tnLst>
-      <p:par>
-        <p:cTn id="1" dur="indefinite" restart="never" nodeType="tmRoot"/>
-      </p:par>
-    </p:tnLst>
-  </p:timing>
 </p:sld>
 </file>
 
@@ -6077,10 +5902,9 @@
           <a:lstStyle/>
           <a:p>
             <a:r>
-              <a:rPr lang="en-US" sz="4300" dirty="0" smtClean="0"/>
+              <a:rPr lang="en-US" sz="4300" dirty="0"/>
               <a:t>Multiple Quantification Through Whole Group</a:t>
             </a:r>
-            <a:endParaRPr lang="en-US" sz="4300" dirty="0"/>
           </a:p>
         </p:txBody>
       </p:sp>
@@ -6118,13 +5942,6 @@
   <p:clrMapOvr>
     <a:masterClrMapping/>
   </p:clrMapOvr>
-  <p:timing>
-    <p:tnLst>
-      <p:par>
-        <p:cTn id="1" dur="indefinite" restart="never" nodeType="tmRoot"/>
-      </p:par>
-    </p:tnLst>
-  </p:timing>
 </p:sld>
 </file>
 
@@ -6198,14 +6015,14 @@
           <a:lstStyle/>
           <a:p>
             <a:r>
-              <a:rPr lang="en-US" sz="2800" dirty="0" err="1" smtClean="0">
+              <a:rPr lang="en-US" sz="2800" dirty="0" err="1">
                 <a:latin typeface="Arial" panose="020B0604020202020204" pitchFamily="34" charset="0"/>
                 <a:cs typeface="Arial" panose="020B0604020202020204" pitchFamily="34" charset="0"/>
               </a:rPr>
               <a:t>Fluocell</a:t>
             </a:r>
             <a:r>
-              <a:rPr lang="en-US" sz="2800" dirty="0" smtClean="0">
+              <a:rPr lang="en-US" sz="2800" dirty="0">
                 <a:latin typeface="Arial" panose="020B0604020202020204" pitchFamily="34" charset="0"/>
                 <a:cs typeface="Arial" panose="020B0604020202020204" pitchFamily="34" charset="0"/>
               </a:rPr>
@@ -6272,15 +6089,15 @@
               <a:buChar char="•"/>
             </a:pPr>
             <a:r>
-              <a:rPr lang="en-US" dirty="0" smtClean="0"/>
+              <a:rPr lang="en-US" dirty="0"/>
               <a:t>Step 2: adjust the setting on the </a:t>
             </a:r>
             <a:r>
-              <a:rPr lang="en-US" dirty="0" err="1" smtClean="0"/>
+              <a:rPr lang="en-US" dirty="0" err="1"/>
               <a:t>fluocell</a:t>
             </a:r>
             <a:r>
-              <a:rPr lang="en-US" dirty="0" smtClean="0"/>
+              <a:rPr lang="en-US" dirty="0"/>
               <a:t> interface:</a:t>
             </a:r>
           </a:p>
@@ -6448,16 +6265,12 @@
           <a:lstStyle/>
           <a:p>
             <a:r>
-              <a:rPr lang="en-US" sz="1000" dirty="0" smtClean="0">
+              <a:rPr lang="en-US" sz="1000" dirty="0">
                 <a:latin typeface="Arial" panose="020B0604020202020204" pitchFamily="34" charset="0"/>
                 <a:cs typeface="Arial" panose="020B0604020202020204" pitchFamily="34" charset="0"/>
               </a:rPr>
               <a:t>In which cycle you add stimulus, e.g. pdgf</a:t>
             </a:r>
-            <a:endParaRPr lang="en-US" sz="1000" dirty="0">
-              <a:latin typeface="Arial" panose="020B0604020202020204" pitchFamily="34" charset="0"/>
-              <a:cs typeface="Arial" panose="020B0604020202020204" pitchFamily="34" charset="0"/>
-            </a:endParaRPr>
           </a:p>
         </p:txBody>
       </p:sp>
@@ -6484,16 +6297,12 @@
           <a:lstStyle/>
           <a:p>
             <a:r>
-              <a:rPr lang="en-US" sz="1000" dirty="0" smtClean="0">
+              <a:rPr lang="en-US" sz="1000" dirty="0">
                 <a:latin typeface="Arial" panose="020B0604020202020204" pitchFamily="34" charset="0"/>
                 <a:cs typeface="Arial" panose="020B0604020202020204" pitchFamily="34" charset="0"/>
               </a:rPr>
               <a:t>Proper setting on this two window will give a better hint on viewing</a:t>
             </a:r>
-            <a:endParaRPr lang="en-US" sz="1000" dirty="0">
-              <a:latin typeface="Arial" panose="020B0604020202020204" pitchFamily="34" charset="0"/>
-              <a:cs typeface="Arial" panose="020B0604020202020204" pitchFamily="34" charset="0"/>
-            </a:endParaRPr>
           </a:p>
         </p:txBody>
       </p:sp>
@@ -6594,7 +6403,7 @@
               <a:buChar char="•"/>
             </a:pPr>
             <a:r>
-              <a:rPr lang="en-US" sz="1000" dirty="0" smtClean="0">
+              <a:rPr lang="en-US" sz="1000" dirty="0">
                 <a:latin typeface="Arial" panose="020B0604020202020204" pitchFamily="34" charset="0"/>
                 <a:cs typeface="Arial" panose="020B0604020202020204" pitchFamily="34" charset="0"/>
               </a:rPr>
@@ -6607,7 +6416,7 @@
               <a:buChar char="•"/>
             </a:pPr>
             <a:r>
-              <a:rPr lang="en-US" sz="1000" dirty="0" smtClean="0">
+              <a:rPr lang="en-US" sz="1000" dirty="0">
                 <a:latin typeface="Arial" panose="020B0604020202020204" pitchFamily="34" charset="0"/>
                 <a:cs typeface="Arial" panose="020B0604020202020204" pitchFamily="34" charset="0"/>
               </a:rPr>
@@ -6620,16 +6429,12 @@
               <a:buChar char="•"/>
             </a:pPr>
             <a:r>
-              <a:rPr lang="en-US" sz="1000" dirty="0" smtClean="0">
+              <a:rPr lang="en-US" sz="1000" dirty="0">
                 <a:latin typeface="Arial" panose="020B0604020202020204" pitchFamily="34" charset="0"/>
                 <a:cs typeface="Arial" panose="020B0604020202020204" pitchFamily="34" charset="0"/>
               </a:rPr>
               <a:t>2 – automatically choose background</a:t>
             </a:r>
-            <a:endParaRPr lang="en-US" sz="1000" dirty="0">
-              <a:latin typeface="Arial" panose="020B0604020202020204" pitchFamily="34" charset="0"/>
-              <a:cs typeface="Arial" panose="020B0604020202020204" pitchFamily="34" charset="0"/>
-            </a:endParaRPr>
           </a:p>
         </p:txBody>
       </p:sp>
@@ -6834,7 +6639,7 @@
               <a:buChar char="•"/>
             </a:pPr>
             <a:r>
-              <a:rPr lang="en-US" sz="1000" dirty="0" smtClean="0">
+              <a:rPr lang="en-US" sz="1000" dirty="0">
                 <a:latin typeface="Arial" panose="020B0604020202020204" pitchFamily="34" charset="0"/>
                 <a:cs typeface="Arial" panose="020B0604020202020204" pitchFamily="34" charset="0"/>
               </a:rPr>
@@ -6847,7 +6652,7 @@
               <a:buChar char="•"/>
             </a:pPr>
             <a:r>
-              <a:rPr lang="en-US" sz="1000" dirty="0" smtClean="0">
+              <a:rPr lang="en-US" sz="1000" dirty="0">
                 <a:latin typeface="Arial" panose="020B0604020202020204" pitchFamily="34" charset="0"/>
                 <a:cs typeface="Arial" panose="020B0604020202020204" pitchFamily="34" charset="0"/>
               </a:rPr>
@@ -6860,25 +6665,11 @@
               <a:buChar char="•"/>
             </a:pPr>
             <a:r>
-              <a:rPr lang="en-US" sz="1000" dirty="0" smtClean="0">
-                <a:latin typeface="Arial" panose="020B0604020202020204" pitchFamily="34" charset="0"/>
-                <a:cs typeface="Arial" panose="020B0604020202020204" pitchFamily="34" charset="0"/>
-              </a:rPr>
-              <a:t>2 – </a:t>
-            </a:r>
-            <a:r>
               <a:rPr lang="en-US" sz="1000" dirty="0">
                 <a:latin typeface="Arial" panose="020B0604020202020204" pitchFamily="34" charset="0"/>
                 <a:cs typeface="Arial" panose="020B0604020202020204" pitchFamily="34" charset="0"/>
               </a:rPr>
-              <a:t>quantification on </a:t>
-            </a:r>
-            <a:r>
-              <a:rPr lang="en-US" sz="1000" dirty="0" smtClean="0">
-                <a:latin typeface="Arial" panose="020B0604020202020204" pitchFamily="34" charset="0"/>
-                <a:cs typeface="Arial" panose="020B0604020202020204" pitchFamily="34" charset="0"/>
-              </a:rPr>
-              <a:t>tracking ROI</a:t>
+              <a:t>2 – quantification on tracking ROI</a:t>
             </a:r>
           </a:p>
           <a:p>
@@ -6887,16 +6678,12 @@
               <a:buChar char="•"/>
             </a:pPr>
             <a:r>
-              <a:rPr lang="en-US" sz="1000" dirty="0" smtClean="0">
+              <a:rPr lang="en-US" sz="1000" dirty="0">
                 <a:latin typeface="Arial" panose="020B0604020202020204" pitchFamily="34" charset="0"/>
                 <a:cs typeface="Arial" panose="020B0604020202020204" pitchFamily="34" charset="0"/>
               </a:rPr>
               <a:t>3 – quantification on subcellular scale </a:t>
             </a:r>
-            <a:endParaRPr lang="en-US" sz="1000" dirty="0">
-              <a:latin typeface="Arial" panose="020B0604020202020204" pitchFamily="34" charset="0"/>
-              <a:cs typeface="Arial" panose="020B0604020202020204" pitchFamily="34" charset="0"/>
-            </a:endParaRPr>
           </a:p>
         </p:txBody>
       </p:sp>
@@ -6998,7 +6785,7 @@
               <a:buChar char="•"/>
             </a:pPr>
             <a:r>
-              <a:rPr lang="en-US" sz="1000" dirty="0" smtClean="0">
+              <a:rPr lang="en-US" sz="1000" dirty="0">
                 <a:latin typeface="Arial" panose="020B0604020202020204" pitchFamily="34" charset="0"/>
                 <a:cs typeface="Arial" panose="020B0604020202020204" pitchFamily="34" charset="0"/>
               </a:rPr>
@@ -7014,21 +6801,21 @@
               <a:buChar char="•"/>
             </a:pPr>
             <a:r>
-              <a:rPr lang="en-US" sz="1000" dirty="0" smtClean="0">
+              <a:rPr lang="en-US" sz="1000" dirty="0">
                 <a:latin typeface="Arial" panose="020B0604020202020204" pitchFamily="34" charset="0"/>
                 <a:cs typeface="Arial" panose="020B0604020202020204" pitchFamily="34" charset="0"/>
               </a:rPr>
               <a:t>FRET-Intensity: FRET + another intensity(e.g. </a:t>
             </a:r>
             <a:r>
-              <a:rPr lang="en-US" sz="1000" dirty="0" err="1" smtClean="0">
+              <a:rPr lang="en-US" sz="1000" dirty="0" err="1">
                 <a:latin typeface="Arial" panose="020B0604020202020204" pitchFamily="34" charset="0"/>
                 <a:cs typeface="Arial" panose="020B0604020202020204" pitchFamily="34" charset="0"/>
               </a:rPr>
               <a:t>MCherry</a:t>
             </a:r>
             <a:r>
-              <a:rPr lang="en-US" sz="1000" dirty="0" smtClean="0">
+              <a:rPr lang="en-US" sz="1000" dirty="0">
                 <a:latin typeface="Arial" panose="020B0604020202020204" pitchFamily="34" charset="0"/>
                 <a:cs typeface="Arial" panose="020B0604020202020204" pitchFamily="34" charset="0"/>
               </a:rPr>
@@ -7044,16 +6831,12 @@
               <a:buChar char="•"/>
             </a:pPr>
             <a:r>
-              <a:rPr lang="en-US" sz="1000" dirty="0" smtClean="0">
+              <a:rPr lang="en-US" sz="1000" dirty="0">
                 <a:latin typeface="Arial" panose="020B0604020202020204" pitchFamily="34" charset="0"/>
                 <a:cs typeface="Arial" panose="020B0604020202020204" pitchFamily="34" charset="0"/>
               </a:rPr>
               <a:t>FRET-DIC: FRET + DIC channel</a:t>
             </a:r>
-            <a:endParaRPr lang="en-US" sz="1000" dirty="0">
-              <a:latin typeface="Arial" panose="020B0604020202020204" pitchFamily="34" charset="0"/>
-              <a:cs typeface="Arial" panose="020B0604020202020204" pitchFamily="34" charset="0"/>
-            </a:endParaRPr>
           </a:p>
         </p:txBody>
       </p:sp>
@@ -7226,16 +7009,12 @@
           <a:lstStyle/>
           <a:p>
             <a:r>
-              <a:rPr lang="en-US" sz="1000" dirty="0" smtClean="0">
+              <a:rPr lang="en-US" sz="1000" dirty="0">
                 <a:latin typeface="Arial" panose="020B0604020202020204" pitchFamily="34" charset="0"/>
                 <a:cs typeface="Arial" panose="020B0604020202020204" pitchFamily="34" charset="0"/>
               </a:rPr>
               <a:t>If you want to save ratio images</a:t>
             </a:r>
-            <a:endParaRPr lang="en-US" sz="1000" dirty="0">
-              <a:latin typeface="Arial" panose="020B0604020202020204" pitchFamily="34" charset="0"/>
-              <a:cs typeface="Arial" panose="020B0604020202020204" pitchFamily="34" charset="0"/>
-            </a:endParaRPr>
           </a:p>
         </p:txBody>
       </p:sp>
@@ -8615,16 +8394,12 @@
           <a:lstStyle/>
           <a:p>
             <a:r>
-              <a:rPr lang="en-US" sz="1000" dirty="0" smtClean="0">
+              <a:rPr lang="en-US" sz="1000" dirty="0">
                 <a:latin typeface="Arial" panose="020B0604020202020204" pitchFamily="34" charset="0"/>
                 <a:cs typeface="Arial" panose="020B0604020202020204" pitchFamily="34" charset="0"/>
               </a:rPr>
               <a:t>1.0</a:t>
             </a:r>
-            <a:endParaRPr lang="en-US" sz="1000" dirty="0">
-              <a:latin typeface="Arial" panose="020B0604020202020204" pitchFamily="34" charset="0"/>
-              <a:cs typeface="Arial" panose="020B0604020202020204" pitchFamily="34" charset="0"/>
-            </a:endParaRPr>
           </a:p>
         </p:txBody>
       </p:sp>
@@ -8757,16 +8532,12 @@
           <a:lstStyle/>
           <a:p>
             <a:r>
-              <a:rPr lang="en-US" sz="1000" dirty="0" smtClean="0">
+              <a:rPr lang="en-US" sz="1000" dirty="0">
                 <a:latin typeface="Arial" panose="020B0604020202020204" pitchFamily="34" charset="0"/>
                 <a:cs typeface="Arial" panose="020B0604020202020204" pitchFamily="34" charset="0"/>
               </a:rPr>
               <a:t>[1 : 50]</a:t>
             </a:r>
-            <a:endParaRPr lang="en-US" sz="1000" dirty="0">
-              <a:latin typeface="Arial" panose="020B0604020202020204" pitchFamily="34" charset="0"/>
-              <a:cs typeface="Arial" panose="020B0604020202020204" pitchFamily="34" charset="0"/>
-            </a:endParaRPr>
           </a:p>
         </p:txBody>
       </p:sp>
@@ -9328,10 +9099,9 @@
           <a:lstStyle/>
           <a:p>
             <a:r>
-              <a:rPr lang="en-US" dirty="0" smtClean="0"/>
+              <a:rPr lang="en-US" dirty="0"/>
               <a:t>Visualize the ECFP/FRET Ratio Images</a:t>
             </a:r>
-            <a:endParaRPr lang="en-US" dirty="0"/>
           </a:p>
         </p:txBody>
       </p:sp>
@@ -9405,13 +9175,6 @@
   <p:clrMapOvr>
     <a:masterClrMapping/>
   </p:clrMapOvr>
-  <p:timing>
-    <p:tnLst>
-      <p:par>
-        <p:cTn id="1" dur="indefinite" restart="never" nodeType="tmRoot"/>
-      </p:par>
-    </p:tnLst>
-  </p:timing>
 </p:sld>
 </file>
 
@@ -9448,10 +9211,9 @@
           <a:lstStyle/>
           <a:p>
             <a:r>
-              <a:rPr lang="en-US" dirty="0" smtClean="0"/>
+              <a:rPr lang="en-US" dirty="0"/>
               <a:t>Visualize the ECFP/FRET Ratio Images</a:t>
             </a:r>
-            <a:endParaRPr lang="en-US" dirty="0"/>
           </a:p>
         </p:txBody>
       </p:sp>
@@ -9513,13 +9275,6 @@
   <p:clrMapOvr>
     <a:masterClrMapping/>
   </p:clrMapOvr>
-  <p:timing>
-    <p:tnLst>
-      <p:par>
-        <p:cTn id="1" dur="indefinite" restart="never" nodeType="tmRoot"/>
-      </p:par>
-    </p:tnLst>
-  </p:timing>
 </p:sld>
 </file>
 
@@ -9558,10 +9313,9 @@
           <a:lstStyle/>
           <a:p>
             <a:r>
-              <a:rPr lang="en-US" sz="4300" dirty="0" smtClean="0"/>
+              <a:rPr lang="en-US" sz="4300" dirty="0"/>
               <a:t>Quantification Using Regions of Interest (ROIs)</a:t>
             </a:r>
-            <a:endParaRPr lang="en-US" sz="4300" dirty="0"/>
           </a:p>
         </p:txBody>
       </p:sp>
@@ -9629,13 +9383,6 @@
   <p:clrMapOvr>
     <a:masterClrMapping/>
   </p:clrMapOvr>
-  <p:timing>
-    <p:tnLst>
-      <p:par>
-        <p:cTn id="1" dur="indefinite" restart="never" nodeType="tmRoot"/>
-      </p:par>
-    </p:tnLst>
-  </p:timing>
 </p:sld>
 </file>
 
@@ -9674,10 +9421,9 @@
           <a:lstStyle/>
           <a:p>
             <a:r>
-              <a:rPr lang="en-US" sz="4300" dirty="0" smtClean="0"/>
+              <a:rPr lang="en-US" sz="4300" dirty="0"/>
               <a:t>Quantification Using Regions of Interest (ROIs)</a:t>
             </a:r>
-            <a:endParaRPr lang="en-US" sz="4300" dirty="0"/>
           </a:p>
         </p:txBody>
       </p:sp>
@@ -9745,13 +9491,6 @@
   <p:clrMapOvr>
     <a:masterClrMapping/>
   </p:clrMapOvr>
-  <p:timing>
-    <p:tnLst>
-      <p:par>
-        <p:cTn id="1" dur="indefinite" restart="never" nodeType="tmRoot"/>
-      </p:par>
-    </p:tnLst>
-  </p:timing>
 </p:sld>
 </file>
 
@@ -9788,18 +9527,9 @@
           <a:lstStyle/>
           <a:p>
             <a:r>
-              <a:rPr lang="en-US" dirty="0" smtClean="0"/>
-              <a:t>Quantification Through Cropped </a:t>
-            </a:r>
-            <a:r>
               <a:rPr lang="en-US" dirty="0"/>
-              <a:t>I</a:t>
-            </a:r>
-            <a:r>
-              <a:rPr lang="en-US" dirty="0" smtClean="0"/>
-              <a:t>mage</a:t>
-            </a:r>
-            <a:endParaRPr lang="en-US" dirty="0"/>
+              <a:t>Quantification Through Cropped Image</a:t>
+            </a:r>
           </a:p>
         </p:txBody>
       </p:sp>
@@ -9904,10 +9634,9 @@
           <a:lstStyle/>
           <a:p>
             <a:r>
-              <a:rPr lang="en-US" dirty="0" smtClean="0"/>
+              <a:rPr lang="en-US" dirty="0"/>
               <a:t>* Whole cell detection used here, ROI is also available</a:t>
             </a:r>
-            <a:endParaRPr lang="en-US" dirty="0"/>
           </a:p>
         </p:txBody>
       </p:sp>
@@ -9921,13 +9650,6 @@
   <p:clrMapOvr>
     <a:masterClrMapping/>
   </p:clrMapOvr>
-  <p:timing>
-    <p:tnLst>
-      <p:par>
-        <p:cTn id="1" dur="indefinite" restart="never" nodeType="tmRoot"/>
-      </p:par>
-    </p:tnLst>
-  </p:timing>
 </p:sld>
 </file>
 
